--- a/PPT/開會紀錄/20210728開會內容.pptx
+++ b/PPT/開會紀錄/20210728開會內容.pptx
@@ -104,6 +104,11 @@
       </a:defRPr>
     </a:lvl9pPr>
   </p:defaultTextStyle>
+  <p:extLst>
+    <p:ext uri="{EFAFB233-063F-42B5-8137-9DF3F51BA10A}">
+      <p15:sldGuideLst xmlns:p15="http://schemas.microsoft.com/office/powerpoint/2012/main"/>
+    </p:ext>
+  </p:extLst>
 </p:presentation>
 </file>
 
@@ -254,7 +259,7 @@
           <a:p>
             <a:fld id="{83112272-1D00-4C7E-A900-EE3042194420}" type="datetimeFigureOut">
               <a:rPr lang="zh-TW" altLang="en-US" smtClean="0"/>
-              <a:t>2021/7/30</a:t>
+              <a:t>2021/8/4</a:t>
             </a:fld>
             <a:endParaRPr lang="zh-TW" altLang="en-US"/>
           </a:p>
@@ -452,7 +457,7 @@
           <a:p>
             <a:fld id="{83112272-1D00-4C7E-A900-EE3042194420}" type="datetimeFigureOut">
               <a:rPr lang="zh-TW" altLang="en-US" smtClean="0"/>
-              <a:t>2021/7/30</a:t>
+              <a:t>2021/8/4</a:t>
             </a:fld>
             <a:endParaRPr lang="zh-TW" altLang="en-US"/>
           </a:p>
@@ -660,7 +665,7 @@
           <a:p>
             <a:fld id="{83112272-1D00-4C7E-A900-EE3042194420}" type="datetimeFigureOut">
               <a:rPr lang="zh-TW" altLang="en-US" smtClean="0"/>
-              <a:t>2021/7/30</a:t>
+              <a:t>2021/8/4</a:t>
             </a:fld>
             <a:endParaRPr lang="zh-TW" altLang="en-US"/>
           </a:p>
@@ -858,7 +863,7 @@
           <a:p>
             <a:fld id="{83112272-1D00-4C7E-A900-EE3042194420}" type="datetimeFigureOut">
               <a:rPr lang="zh-TW" altLang="en-US" smtClean="0"/>
-              <a:t>2021/7/30</a:t>
+              <a:t>2021/8/4</a:t>
             </a:fld>
             <a:endParaRPr lang="zh-TW" altLang="en-US"/>
           </a:p>
@@ -1133,7 +1138,7 @@
           <a:p>
             <a:fld id="{83112272-1D00-4C7E-A900-EE3042194420}" type="datetimeFigureOut">
               <a:rPr lang="zh-TW" altLang="en-US" smtClean="0"/>
-              <a:t>2021/7/30</a:t>
+              <a:t>2021/8/4</a:t>
             </a:fld>
             <a:endParaRPr lang="zh-TW" altLang="en-US"/>
           </a:p>
@@ -1398,7 +1403,7 @@
           <a:p>
             <a:fld id="{83112272-1D00-4C7E-A900-EE3042194420}" type="datetimeFigureOut">
               <a:rPr lang="zh-TW" altLang="en-US" smtClean="0"/>
-              <a:t>2021/7/30</a:t>
+              <a:t>2021/8/4</a:t>
             </a:fld>
             <a:endParaRPr lang="zh-TW" altLang="en-US"/>
           </a:p>
@@ -1810,7 +1815,7 @@
           <a:p>
             <a:fld id="{83112272-1D00-4C7E-A900-EE3042194420}" type="datetimeFigureOut">
               <a:rPr lang="zh-TW" altLang="en-US" smtClean="0"/>
-              <a:t>2021/7/30</a:t>
+              <a:t>2021/8/4</a:t>
             </a:fld>
             <a:endParaRPr lang="zh-TW" altLang="en-US"/>
           </a:p>
@@ -1951,7 +1956,7 @@
           <a:p>
             <a:fld id="{83112272-1D00-4C7E-A900-EE3042194420}" type="datetimeFigureOut">
               <a:rPr lang="zh-TW" altLang="en-US" smtClean="0"/>
-              <a:t>2021/7/30</a:t>
+              <a:t>2021/8/4</a:t>
             </a:fld>
             <a:endParaRPr lang="zh-TW" altLang="en-US"/>
           </a:p>
@@ -2064,7 +2069,7 @@
           <a:p>
             <a:fld id="{83112272-1D00-4C7E-A900-EE3042194420}" type="datetimeFigureOut">
               <a:rPr lang="zh-TW" altLang="en-US" smtClean="0"/>
-              <a:t>2021/7/30</a:t>
+              <a:t>2021/8/4</a:t>
             </a:fld>
             <a:endParaRPr lang="zh-TW" altLang="en-US"/>
           </a:p>
@@ -2375,7 +2380,7 @@
           <a:p>
             <a:fld id="{83112272-1D00-4C7E-A900-EE3042194420}" type="datetimeFigureOut">
               <a:rPr lang="zh-TW" altLang="en-US" smtClean="0"/>
-              <a:t>2021/7/30</a:t>
+              <a:t>2021/8/4</a:t>
             </a:fld>
             <a:endParaRPr lang="zh-TW" altLang="en-US"/>
           </a:p>
@@ -2663,7 +2668,7 @@
           <a:p>
             <a:fld id="{83112272-1D00-4C7E-A900-EE3042194420}" type="datetimeFigureOut">
               <a:rPr lang="zh-TW" altLang="en-US" smtClean="0"/>
-              <a:t>2021/7/30</a:t>
+              <a:t>2021/8/4</a:t>
             </a:fld>
             <a:endParaRPr lang="zh-TW" altLang="en-US"/>
           </a:p>
@@ -2904,7 +2909,7 @@
           <a:p>
             <a:fld id="{83112272-1D00-4C7E-A900-EE3042194420}" type="datetimeFigureOut">
               <a:rPr lang="zh-TW" altLang="en-US" smtClean="0"/>
-              <a:t>2021/7/30</a:t>
+              <a:t>2021/8/4</a:t>
             </a:fld>
             <a:endParaRPr lang="zh-TW" altLang="en-US"/>
           </a:p>
@@ -3366,6 +3371,168 @@
           </a:p>
         </p:txBody>
       </p:sp>
+      <p:sp>
+        <p:nvSpPr>
+          <p:cNvPr id="4" name="文字方塊 3">
+            <a:extLst>
+              <a:ext uri="{FF2B5EF4-FFF2-40B4-BE49-F238E27FC236}">
+                <a16:creationId xmlns:a16="http://schemas.microsoft.com/office/drawing/2014/main" id="{99DAC083-F3F0-4C96-989B-5305289EADCC}"/>
+              </a:ext>
+            </a:extLst>
+          </p:cNvPr>
+          <p:cNvSpPr txBox="1"/>
+          <p:nvPr/>
+        </p:nvSpPr>
+        <p:spPr>
+          <a:xfrm>
+            <a:off x="7303294" y="1182231"/>
+            <a:ext cx="3364706" cy="2246769"/>
+          </a:xfrm>
+          <a:prstGeom prst="rect">
+            <a:avLst/>
+          </a:prstGeom>
+          <a:noFill/>
+        </p:spPr>
+        <p:txBody>
+          <a:bodyPr wrap="square" rtlCol="0">
+            <a:spAutoFit/>
+          </a:bodyPr>
+          <a:lstStyle/>
+          <a:p>
+            <a:r>
+              <a:rPr lang="zh-TW" altLang="en-US" sz="2800" dirty="0"/>
+              <a:t>下禮拜報告內容為</a:t>
+            </a:r>
+            <a:endParaRPr lang="en-US" altLang="zh-TW" sz="2800" dirty="0"/>
+          </a:p>
+          <a:p>
+            <a:pPr marL="342900" indent="-342900">
+              <a:buAutoNum type="arabicPeriod"/>
+            </a:pPr>
+            <a:r>
+              <a:rPr lang="zh-TW" altLang="en-US" sz="2800" dirty="0"/>
+              <a:t>系統報告書製作</a:t>
+            </a:r>
+            <a:endParaRPr lang="en-US" altLang="zh-TW" sz="2800" dirty="0"/>
+          </a:p>
+          <a:p>
+            <a:pPr marL="342900" indent="-342900">
+              <a:buAutoNum type="arabicPeriod"/>
+            </a:pPr>
+            <a:r>
+              <a:rPr lang="zh-TW" altLang="en-US" sz="2800" dirty="0"/>
+              <a:t>企畫書製作</a:t>
+            </a:r>
+            <a:endParaRPr lang="en-US" altLang="zh-TW" sz="2800" dirty="0"/>
+          </a:p>
+          <a:p>
+            <a:pPr marL="342900" indent="-342900">
+              <a:buAutoNum type="arabicPeriod"/>
+            </a:pPr>
+            <a:r>
+              <a:rPr lang="zh-TW" altLang="en-US" sz="2800" dirty="0"/>
+              <a:t>動畫製作</a:t>
+            </a:r>
+            <a:endParaRPr lang="en-US" altLang="zh-TW" sz="2800" dirty="0"/>
+          </a:p>
+          <a:p>
+            <a:endParaRPr lang="zh-TW" altLang="en-US" sz="2800" dirty="0"/>
+          </a:p>
+        </p:txBody>
+      </p:sp>
+      <p:sp>
+        <p:nvSpPr>
+          <p:cNvPr id="5" name="文字方塊 4">
+            <a:extLst>
+              <a:ext uri="{FF2B5EF4-FFF2-40B4-BE49-F238E27FC236}">
+                <a16:creationId xmlns:a16="http://schemas.microsoft.com/office/drawing/2014/main" id="{75D45EEB-A184-4D22-ADCA-BCCFBF91F17C}"/>
+              </a:ext>
+            </a:extLst>
+          </p:cNvPr>
+          <p:cNvSpPr txBox="1"/>
+          <p:nvPr/>
+        </p:nvSpPr>
+        <p:spPr>
+          <a:xfrm>
+            <a:off x="1524000" y="1182231"/>
+            <a:ext cx="4448175" cy="2585323"/>
+          </a:xfrm>
+          <a:prstGeom prst="rect">
+            <a:avLst/>
+          </a:prstGeom>
+          <a:noFill/>
+        </p:spPr>
+        <p:txBody>
+          <a:bodyPr wrap="square" rtlCol="0">
+            <a:spAutoFit/>
+          </a:bodyPr>
+          <a:lstStyle/>
+          <a:p>
+            <a:r>
+              <a:rPr lang="zh-TW" altLang="en-US" dirty="0"/>
+              <a:t>這禮拜內容為</a:t>
+            </a:r>
+            <a:r>
+              <a:rPr lang="en-US" altLang="zh-TW" dirty="0"/>
+              <a:t>D3.js</a:t>
+            </a:r>
+            <a:r>
+              <a:rPr lang="zh-TW" altLang="en-US" dirty="0"/>
+              <a:t>、資料庫、</a:t>
+            </a:r>
+            <a:r>
+              <a:rPr lang="en-US" altLang="zh-TW" dirty="0"/>
+              <a:t>Bert</a:t>
+            </a:r>
+            <a:r>
+              <a:rPr lang="zh-TW" altLang="en-US" dirty="0"/>
+              <a:t>進度</a:t>
+            </a:r>
+            <a:endParaRPr lang="en-US" altLang="zh-TW" dirty="0"/>
+          </a:p>
+          <a:p>
+            <a:pPr marL="342900" indent="-342900">
+              <a:buAutoNum type="arabicPeriod"/>
+            </a:pPr>
+            <a:r>
+              <a:rPr lang="zh-TW" altLang="en-US" dirty="0"/>
+              <a:t>針對</a:t>
+            </a:r>
+            <a:r>
+              <a:rPr lang="en-US" altLang="zh-TW" dirty="0"/>
+              <a:t>D3.js</a:t>
+            </a:r>
+            <a:r>
+              <a:rPr lang="zh-TW" altLang="en-US" dirty="0"/>
+              <a:t>的部分在琢磨下去，讓使用者能夠在網頁中進行操作調整，使使用者能夠更方便使用。</a:t>
+            </a:r>
+            <a:endParaRPr lang="en-US" altLang="zh-TW" dirty="0"/>
+          </a:p>
+          <a:p>
+            <a:pPr marL="342900" indent="-342900">
+              <a:buAutoNum type="arabicPeriod"/>
+            </a:pPr>
+            <a:r>
+              <a:rPr lang="zh-TW" altLang="en-US" dirty="0"/>
+              <a:t>資料庫的部分大致已完成，部分做細部修改即可，傳產部分範圍較廣，可再做細部分別</a:t>
+            </a:r>
+            <a:endParaRPr lang="en-US" altLang="zh-TW" dirty="0"/>
+          </a:p>
+          <a:p>
+            <a:pPr marL="342900" indent="-342900">
+              <a:buAutoNum type="arabicPeriod"/>
+            </a:pPr>
+            <a:r>
+              <a:rPr lang="en-US" altLang="zh-TW" dirty="0"/>
+              <a:t>BERT</a:t>
+            </a:r>
+            <a:r>
+              <a:rPr lang="zh-TW" altLang="en-US" dirty="0"/>
+              <a:t>初步閱讀，之後依照進度修改成我們專題可使用的樣貌。</a:t>
+            </a:r>
+          </a:p>
+        </p:txBody>
+      </p:sp>
     </p:spTree>
     <p:extLst>
       <p:ext uri="{BB962C8B-B14F-4D97-AF65-F5344CB8AC3E}">
